--- a/database/slides/MAGNIFICAT_(MY_SOUL_SINGS_THE_GLORY).pptx
+++ b/database/slides/MAGNIFICAT_(MY_SOUL_SINGS_THE_GLORY).pptx
@@ -16128,7 +16128,13 @@
       </p:sp>
       <p:sp>
         <p:nvSpPr>
-          <p:cNvPr id="131" name="Google Shape;131;p25"/>
+          <p:cNvPr id="2" name="Google Shape;131;p25">
+            <a:extLst>
+              <a:ext uri="{FF2B5EF4-FFF2-40B4-BE49-F238E27FC236}">
+                <a16:creationId xmlns:a16="http://schemas.microsoft.com/office/drawing/2014/main" id="{D596C842-53B8-0C12-C221-F5C849740C8F}"/>
+              </a:ext>
+            </a:extLst>
+          </p:cNvPr>
           <p:cNvSpPr txBox="1"/>
           <p:nvPr/>
         </p:nvSpPr>
@@ -16151,11 +16157,19 @@
           </a:bodyPr>
           <a:lstStyle/>
           <a:p>
-            <a:pPr>
+            <a:pPr marL="0" lvl="0" indent="0" algn="l" rtl="0">
+              <a:spcBef>
+                <a:spcPts val="0"/>
+              </a:spcBef>
+              <a:spcAft>
+                <a:spcPts val="0"/>
+              </a:spcAft>
               <a:buClr>
                 <a:schemeClr val="lt1"/>
               </a:buClr>
               <a:buSzPts val="3200"/>
+              <a:buFont typeface="Arial"/>
+              <a:buNone/>
             </a:pPr>
             <a:r>
               <a:rPr lang="en-GB" sz="3600" b="1" i="1" dirty="0">
@@ -16169,7 +16183,7 @@
               </a:rPr>
               <a:t>contd..</a:t>
             </a:r>
-            <a:endParaRPr lang="en-GB" sz="3600" dirty="0">
+            <a:endParaRPr sz="3600" dirty="0">
               <a:latin typeface="Calibri"/>
               <a:ea typeface="Calibri"/>
               <a:cs typeface="Calibri"/>
@@ -16483,7 +16497,13 @@
       </p:sp>
       <p:sp>
         <p:nvSpPr>
-          <p:cNvPr id="131" name="Google Shape;131;p25"/>
+          <p:cNvPr id="2" name="Google Shape;131;p25">
+            <a:extLst>
+              <a:ext uri="{FF2B5EF4-FFF2-40B4-BE49-F238E27FC236}">
+                <a16:creationId xmlns:a16="http://schemas.microsoft.com/office/drawing/2014/main" id="{499AD8B5-E453-4720-9D78-EE0F81FA2A63}"/>
+              </a:ext>
+            </a:extLst>
+          </p:cNvPr>
           <p:cNvSpPr txBox="1"/>
           <p:nvPr/>
         </p:nvSpPr>
@@ -16506,11 +16526,19 @@
           </a:bodyPr>
           <a:lstStyle/>
           <a:p>
-            <a:pPr>
+            <a:pPr marL="0" lvl="0" indent="0" algn="l" rtl="0">
+              <a:spcBef>
+                <a:spcPts val="0"/>
+              </a:spcBef>
+              <a:spcAft>
+                <a:spcPts val="0"/>
+              </a:spcAft>
               <a:buClr>
                 <a:schemeClr val="lt1"/>
               </a:buClr>
               <a:buSzPts val="3200"/>
+              <a:buFont typeface="Arial"/>
+              <a:buNone/>
             </a:pPr>
             <a:r>
               <a:rPr lang="en-GB" sz="3600" b="1" i="1" dirty="0">
@@ -16524,7 +16552,7 @@
               </a:rPr>
               <a:t>contd..</a:t>
             </a:r>
-            <a:endParaRPr lang="en-GB" sz="3600" dirty="0">
+            <a:endParaRPr sz="3600" dirty="0">
               <a:latin typeface="Calibri"/>
               <a:ea typeface="Calibri"/>
               <a:cs typeface="Calibri"/>
@@ -16838,7 +16866,13 @@
       </p:sp>
       <p:sp>
         <p:nvSpPr>
-          <p:cNvPr id="131" name="Google Shape;131;p25"/>
+          <p:cNvPr id="2" name="Google Shape;131;p25">
+            <a:extLst>
+              <a:ext uri="{FF2B5EF4-FFF2-40B4-BE49-F238E27FC236}">
+                <a16:creationId xmlns:a16="http://schemas.microsoft.com/office/drawing/2014/main" id="{7EF4002B-8189-BB62-8566-C70B234DCB5F}"/>
+              </a:ext>
+            </a:extLst>
+          </p:cNvPr>
           <p:cNvSpPr txBox="1"/>
           <p:nvPr/>
         </p:nvSpPr>
@@ -16861,11 +16895,19 @@
           </a:bodyPr>
           <a:lstStyle/>
           <a:p>
-            <a:pPr>
+            <a:pPr marL="0" lvl="0" indent="0" algn="l" rtl="0">
+              <a:spcBef>
+                <a:spcPts val="0"/>
+              </a:spcBef>
+              <a:spcAft>
+                <a:spcPts val="0"/>
+              </a:spcAft>
               <a:buClr>
                 <a:schemeClr val="lt1"/>
               </a:buClr>
               <a:buSzPts val="3200"/>
+              <a:buFont typeface="Arial"/>
+              <a:buNone/>
             </a:pPr>
             <a:r>
               <a:rPr lang="en-GB" sz="3600" b="1" i="1" dirty="0">
@@ -16879,7 +16921,7 @@
               </a:rPr>
               <a:t>contd..</a:t>
             </a:r>
-            <a:endParaRPr lang="en-GB" sz="3600" dirty="0">
+            <a:endParaRPr sz="3600" dirty="0">
               <a:latin typeface="Calibri"/>
               <a:ea typeface="Calibri"/>
               <a:cs typeface="Calibri"/>
@@ -17193,7 +17235,13 @@
       </p:sp>
       <p:sp>
         <p:nvSpPr>
-          <p:cNvPr id="131" name="Google Shape;131;p25"/>
+          <p:cNvPr id="2" name="Google Shape;131;p25">
+            <a:extLst>
+              <a:ext uri="{FF2B5EF4-FFF2-40B4-BE49-F238E27FC236}">
+                <a16:creationId xmlns:a16="http://schemas.microsoft.com/office/drawing/2014/main" id="{D436F206-6C2E-0B86-D272-32B62BB8B186}"/>
+              </a:ext>
+            </a:extLst>
+          </p:cNvPr>
           <p:cNvSpPr txBox="1"/>
           <p:nvPr/>
         </p:nvSpPr>
@@ -17216,11 +17264,19 @@
           </a:bodyPr>
           <a:lstStyle/>
           <a:p>
-            <a:pPr>
+            <a:pPr marL="0" lvl="0" indent="0" algn="l" rtl="0">
+              <a:spcBef>
+                <a:spcPts val="0"/>
+              </a:spcBef>
+              <a:spcAft>
+                <a:spcPts val="0"/>
+              </a:spcAft>
               <a:buClr>
                 <a:schemeClr val="lt1"/>
               </a:buClr>
               <a:buSzPts val="3200"/>
+              <a:buFont typeface="Arial"/>
+              <a:buNone/>
             </a:pPr>
             <a:r>
               <a:rPr lang="en-GB" sz="3600" b="1" i="1" dirty="0">
@@ -17234,7 +17290,7 @@
               </a:rPr>
               <a:t>contd..</a:t>
             </a:r>
-            <a:endParaRPr lang="en-GB" sz="3600" dirty="0">
+            <a:endParaRPr sz="3600" dirty="0">
               <a:latin typeface="Calibri"/>
               <a:ea typeface="Calibri"/>
               <a:cs typeface="Calibri"/>
